--- a/Materials/10-gb-impl-stacking.pptx
+++ b/Materials/10-gb-impl-stacking.pptx
@@ -223,7 +223,7 @@
           <a:p>
             <a:fld id="{6B9A202F-4299-479C-B15E-F143261314E2}" type="datetimeFigureOut">
               <a:rPr lang="ru-RU" smtClean="0"/>
-              <a:t>10.04.2025</a:t>
+              <a:t>11.04.2025</a:t>
             </a:fld>
             <a:endParaRPr lang="ru-RU"/>
           </a:p>
@@ -619,7 +619,7 @@
           <a:p>
             <a:fld id="{32C0110C-44BF-413A-8FA8-51FBC9510905}" type="datetimeFigureOut">
               <a:rPr lang="ru-RU" smtClean="0"/>
-              <a:t>10.04.2025</a:t>
+              <a:t>11.04.2025</a:t>
             </a:fld>
             <a:endParaRPr lang="ru-RU"/>
           </a:p>
@@ -787,7 +787,7 @@
           <a:p>
             <a:fld id="{32C0110C-44BF-413A-8FA8-51FBC9510905}" type="datetimeFigureOut">
               <a:rPr lang="ru-RU" smtClean="0"/>
-              <a:t>10.04.2025</a:t>
+              <a:t>11.04.2025</a:t>
             </a:fld>
             <a:endParaRPr lang="ru-RU"/>
           </a:p>
@@ -965,7 +965,7 @@
           <a:p>
             <a:fld id="{32C0110C-44BF-413A-8FA8-51FBC9510905}" type="datetimeFigureOut">
               <a:rPr lang="ru-RU" smtClean="0"/>
-              <a:t>10.04.2025</a:t>
+              <a:t>11.04.2025</a:t>
             </a:fld>
             <a:endParaRPr lang="ru-RU"/>
           </a:p>
@@ -1133,7 +1133,7 @@
           <a:p>
             <a:fld id="{32C0110C-44BF-413A-8FA8-51FBC9510905}" type="datetimeFigureOut">
               <a:rPr lang="ru-RU" smtClean="0"/>
-              <a:t>10.04.2025</a:t>
+              <a:t>11.04.2025</a:t>
             </a:fld>
             <a:endParaRPr lang="ru-RU"/>
           </a:p>
@@ -1378,7 +1378,7 @@
           <a:p>
             <a:fld id="{32C0110C-44BF-413A-8FA8-51FBC9510905}" type="datetimeFigureOut">
               <a:rPr lang="ru-RU" smtClean="0"/>
-              <a:t>10.04.2025</a:t>
+              <a:t>11.04.2025</a:t>
             </a:fld>
             <a:endParaRPr lang="ru-RU"/>
           </a:p>
@@ -1607,7 +1607,7 @@
           <a:p>
             <a:fld id="{32C0110C-44BF-413A-8FA8-51FBC9510905}" type="datetimeFigureOut">
               <a:rPr lang="ru-RU" smtClean="0"/>
-              <a:t>10.04.2025</a:t>
+              <a:t>11.04.2025</a:t>
             </a:fld>
             <a:endParaRPr lang="ru-RU"/>
           </a:p>
@@ -1971,7 +1971,7 @@
           <a:p>
             <a:fld id="{32C0110C-44BF-413A-8FA8-51FBC9510905}" type="datetimeFigureOut">
               <a:rPr lang="ru-RU" smtClean="0"/>
-              <a:t>10.04.2025</a:t>
+              <a:t>11.04.2025</a:t>
             </a:fld>
             <a:endParaRPr lang="ru-RU"/>
           </a:p>
@@ -2088,7 +2088,7 @@
           <a:p>
             <a:fld id="{32C0110C-44BF-413A-8FA8-51FBC9510905}" type="datetimeFigureOut">
               <a:rPr lang="ru-RU" smtClean="0"/>
-              <a:t>10.04.2025</a:t>
+              <a:t>11.04.2025</a:t>
             </a:fld>
             <a:endParaRPr lang="ru-RU"/>
           </a:p>
@@ -2183,7 +2183,7 @@
           <a:p>
             <a:fld id="{32C0110C-44BF-413A-8FA8-51FBC9510905}" type="datetimeFigureOut">
               <a:rPr lang="ru-RU" smtClean="0"/>
-              <a:t>10.04.2025</a:t>
+              <a:t>11.04.2025</a:t>
             </a:fld>
             <a:endParaRPr lang="ru-RU"/>
           </a:p>
@@ -2458,7 +2458,7 @@
           <a:p>
             <a:fld id="{32C0110C-44BF-413A-8FA8-51FBC9510905}" type="datetimeFigureOut">
               <a:rPr lang="ru-RU" smtClean="0"/>
-              <a:t>10.04.2025</a:t>
+              <a:t>11.04.2025</a:t>
             </a:fld>
             <a:endParaRPr lang="ru-RU"/>
           </a:p>
@@ -2710,7 +2710,7 @@
           <a:p>
             <a:fld id="{32C0110C-44BF-413A-8FA8-51FBC9510905}" type="datetimeFigureOut">
               <a:rPr lang="ru-RU" smtClean="0"/>
-              <a:t>10.04.2025</a:t>
+              <a:t>11.04.2025</a:t>
             </a:fld>
             <a:endParaRPr lang="ru-RU"/>
           </a:p>
@@ -2921,7 +2921,7 @@
           <a:p>
             <a:fld id="{32C0110C-44BF-413A-8FA8-51FBC9510905}" type="datetimeFigureOut">
               <a:rPr lang="ru-RU" smtClean="0"/>
-              <a:t>10.04.2025</a:t>
+              <a:t>11.04.2025</a:t>
             </a:fld>
             <a:endParaRPr lang="ru-RU"/>
           </a:p>
@@ -6715,8 +6715,8 @@
         </p:nvSpPr>
         <p:spPr>
           <a:xfrm>
-            <a:off x="848833" y="1701203"/>
-            <a:ext cx="10910776" cy="2246769"/>
+            <a:off x="848832" y="1701203"/>
+            <a:ext cx="10963939" cy="2246769"/>
           </a:xfrm>
           <a:prstGeom prst="rect">
             <a:avLst/>
@@ -6731,12 +6731,156 @@
           <a:p>
             <a:r>
               <a:rPr lang="en-US" sz="2800" dirty="0"/>
-              <a:t>Suppose some group consists of two features. The first takes values between [0, 10), the second takes values between [0, 20). Transform the second feature values to [10, 30) and create a new united feature as sum of these two features. Define threshold splits for this newly created feature.</a:t>
+              <a:t>Suppose some group consists of two features       and      . The first takes values between [0, 10), the second takes values between [0, 20). Transform the second feature values to [10, 30) and create a new united feature as                                       . Define threshold splits for this newly created feature.</a:t>
             </a:r>
             <a:endParaRPr lang="ru-RU" sz="2800" dirty="0"/>
           </a:p>
         </p:txBody>
       </p:sp>
+      <p:pic>
+        <p:nvPicPr>
+          <p:cNvPr id="5" name="Рисунок 4">
+            <a:extLst>
+              <a:ext uri="{FF2B5EF4-FFF2-40B4-BE49-F238E27FC236}">
+                <a16:creationId xmlns:a16="http://schemas.microsoft.com/office/drawing/2014/main" id="{06E68DED-04B1-0526-B1FE-5E9170D59A24}"/>
+              </a:ext>
+            </a:extLst>
+          </p:cNvPr>
+          <p:cNvPicPr>
+            <a:picLocks noChangeAspect="1"/>
+          </p:cNvPicPr>
+          <p:nvPr/>
+        </p:nvPicPr>
+        <p:blipFill>
+          <a:blip r:embed="rId2">
+            <a:extLst>
+              <a:ext uri="{28A0092B-C50C-407E-A947-70E740481C1C}">
+                <a14:useLocalDpi xmlns:a14="http://schemas.microsoft.com/office/drawing/2010/main" val="0"/>
+              </a:ext>
+            </a:extLst>
+          </a:blip>
+          <a:stretch>
+            <a:fillRect/>
+          </a:stretch>
+        </p:blipFill>
+        <p:spPr>
+          <a:xfrm>
+            <a:off x="7570753" y="3971182"/>
+            <a:ext cx="4242018" cy="2648086"/>
+          </a:xfrm>
+          <a:prstGeom prst="rect">
+            <a:avLst/>
+          </a:prstGeom>
+        </p:spPr>
+      </p:pic>
+      <p:pic>
+        <p:nvPicPr>
+          <p:cNvPr id="7" name="Рисунок 6">
+            <a:extLst>
+              <a:ext uri="{FF2B5EF4-FFF2-40B4-BE49-F238E27FC236}">
+                <a16:creationId xmlns:a16="http://schemas.microsoft.com/office/drawing/2014/main" id="{B1A3687D-00E6-9A79-3382-ED7563FB6C07}"/>
+              </a:ext>
+            </a:extLst>
+          </p:cNvPr>
+          <p:cNvPicPr>
+            <a:picLocks noChangeAspect="1"/>
+          </p:cNvPicPr>
+          <p:nvPr/>
+        </p:nvPicPr>
+        <p:blipFill>
+          <a:blip r:embed="rId3">
+            <a:extLst>
+              <a:ext uri="{28A0092B-C50C-407E-A947-70E740481C1C}">
+                <a14:useLocalDpi xmlns:a14="http://schemas.microsoft.com/office/drawing/2010/main" val="0"/>
+              </a:ext>
+            </a:extLst>
+          </a:blip>
+          <a:stretch>
+            <a:fillRect/>
+          </a:stretch>
+        </p:blipFill>
+        <p:spPr>
+          <a:xfrm>
+            <a:off x="7494178" y="1781536"/>
+            <a:ext cx="430035" cy="430035"/>
+          </a:xfrm>
+          <a:prstGeom prst="rect">
+            <a:avLst/>
+          </a:prstGeom>
+        </p:spPr>
+      </p:pic>
+      <p:pic>
+        <p:nvPicPr>
+          <p:cNvPr id="9" name="Рисунок 8">
+            <a:extLst>
+              <a:ext uri="{FF2B5EF4-FFF2-40B4-BE49-F238E27FC236}">
+                <a16:creationId xmlns:a16="http://schemas.microsoft.com/office/drawing/2014/main" id="{B90CB0EA-F693-49B7-615B-4A2A493C440C}"/>
+              </a:ext>
+            </a:extLst>
+          </p:cNvPr>
+          <p:cNvPicPr>
+            <a:picLocks noChangeAspect="1"/>
+          </p:cNvPicPr>
+          <p:nvPr/>
+        </p:nvPicPr>
+        <p:blipFill>
+          <a:blip r:embed="rId4">
+            <a:extLst>
+              <a:ext uri="{28A0092B-C50C-407E-A947-70E740481C1C}">
+                <a14:useLocalDpi xmlns:a14="http://schemas.microsoft.com/office/drawing/2010/main" val="0"/>
+              </a:ext>
+            </a:extLst>
+          </a:blip>
+          <a:stretch>
+            <a:fillRect/>
+          </a:stretch>
+        </p:blipFill>
+        <p:spPr>
+          <a:xfrm>
+            <a:off x="8636659" y="1724413"/>
+            <a:ext cx="430036" cy="476526"/>
+          </a:xfrm>
+          <a:prstGeom prst="rect">
+            <a:avLst/>
+          </a:prstGeom>
+        </p:spPr>
+      </p:pic>
+      <p:pic>
+        <p:nvPicPr>
+          <p:cNvPr id="11" name="Рисунок 10">
+            <a:extLst>
+              <a:ext uri="{FF2B5EF4-FFF2-40B4-BE49-F238E27FC236}">
+                <a16:creationId xmlns:a16="http://schemas.microsoft.com/office/drawing/2014/main" id="{1B10F60F-E887-E957-4281-680FB3C46397}"/>
+              </a:ext>
+            </a:extLst>
+          </p:cNvPr>
+          <p:cNvPicPr>
+            <a:picLocks noChangeAspect="1"/>
+          </p:cNvPicPr>
+          <p:nvPr/>
+        </p:nvPicPr>
+        <p:blipFill>
+          <a:blip r:embed="rId5">
+            <a:extLst>
+              <a:ext uri="{28A0092B-C50C-407E-A947-70E740481C1C}">
+                <a14:useLocalDpi xmlns:a14="http://schemas.microsoft.com/office/drawing/2010/main" val="0"/>
+              </a:ext>
+            </a:extLst>
+          </a:blip>
+          <a:stretch>
+            <a:fillRect/>
+          </a:stretch>
+        </p:blipFill>
+        <p:spPr>
+          <a:xfrm>
+            <a:off x="2450822" y="2973741"/>
+            <a:ext cx="3103040" cy="566902"/>
+          </a:xfrm>
+          <a:prstGeom prst="rect">
+            <a:avLst/>
+          </a:prstGeom>
+        </p:spPr>
+      </p:pic>
     </p:spTree>
     <p:extLst>
       <p:ext uri="{BB962C8B-B14F-4D97-AF65-F5344CB8AC3E}">
